--- a/프레젠테이션1.pptx
+++ b/프레젠테이션1.pptx
@@ -107,6 +107,11 @@
       </a:defRPr>
     </a:lvl9pPr>
   </p:defaultTextStyle>
+  <p:extLst>
+    <p:ext uri="{EFAFB233-063F-42B5-8137-9DF3F51BA10A}">
+      <p15:sldGuideLst xmlns:p15="http://schemas.microsoft.com/office/powerpoint/2012/main"/>
+    </p:ext>
+  </p:extLst>
 </p:presentation>
 </file>
 
@@ -3037,7 +3042,7 @@
         <p:spPr>
           <a:xfrm>
             <a:off x="3981450" y="1071563"/>
-            <a:ext cx="4403770" cy="3693319"/>
+            <a:ext cx="4403770" cy="5355312"/>
           </a:xfrm>
           <a:prstGeom prst="rect">
             <a:avLst/>
@@ -3181,7 +3186,57 @@
               <a:rPr lang="ko-KR" altLang="en-US" dirty="0" err="1" smtClean="0"/>
               <a:t>채팅방</a:t>
             </a:r>
-            <a:endParaRPr lang="ko-KR" altLang="en-US" dirty="0"/>
+            <a:endParaRPr lang="en-US" altLang="ko-KR" dirty="0" smtClean="0"/>
+          </a:p>
+          <a:p>
+            <a:pPr marL="742950" lvl="1" indent="-285750">
+              <a:buFontTx/>
+              <a:buChar char="-"/>
+            </a:pPr>
+            <a:endParaRPr lang="en-US" altLang="ko-KR" dirty="0"/>
+          </a:p>
+          <a:p>
+            <a:pPr marL="342900" indent="-342900">
+              <a:buAutoNum type="arabicPeriod" startAt="5"/>
+            </a:pPr>
+            <a:r>
+              <a:rPr lang="ko-KR" altLang="en-US" dirty="0" err="1" smtClean="0"/>
+              <a:t>마이페이지</a:t>
+            </a:r>
+            <a:endParaRPr lang="en-US" altLang="ko-KR" dirty="0"/>
+          </a:p>
+          <a:p>
+            <a:pPr lvl="1"/>
+            <a:endParaRPr lang="en-US" altLang="ko-KR" dirty="0"/>
+          </a:p>
+          <a:p>
+            <a:pPr marL="742950" lvl="1" indent="-285750">
+              <a:buFontTx/>
+              <a:buChar char="-"/>
+            </a:pPr>
+            <a:r>
+              <a:rPr lang="ko-KR" altLang="en-US" dirty="0" smtClean="0"/>
+              <a:t>공부 타이머</a:t>
+            </a:r>
+            <a:endParaRPr lang="en-US" altLang="ko-KR" dirty="0" smtClean="0"/>
+          </a:p>
+          <a:p>
+            <a:pPr marL="742950" lvl="1" indent="-285750">
+              <a:buFontTx/>
+              <a:buChar char="-"/>
+            </a:pPr>
+            <a:endParaRPr lang="en-US" altLang="ko-KR" dirty="0"/>
+          </a:p>
+          <a:p>
+            <a:pPr marL="742950" lvl="1" indent="-285750">
+              <a:buFontTx/>
+              <a:buChar char="-"/>
+            </a:pPr>
+            <a:r>
+              <a:rPr lang="ko-KR" altLang="en-US" dirty="0" smtClean="0"/>
+              <a:t>계획표</a:t>
+            </a:r>
+            <a:endParaRPr lang="en-US" altLang="ko-KR" dirty="0"/>
           </a:p>
         </p:txBody>
       </p:sp>
@@ -3470,7 +3525,19 @@
           <a:p>
             <a:r>
               <a:rPr lang="ko-KR" altLang="en-US" dirty="0" smtClean="0"/>
-              <a:t>레스토랑 예약 서비스 사이트</a:t>
+              <a:t>레스토랑 </a:t>
+            </a:r>
+            <a:r>
+              <a:rPr lang="ko-KR" altLang="en-US" dirty="0" smtClean="0"/>
+              <a:t>대기</a:t>
+            </a:r>
+            <a:r>
+              <a:rPr lang="ko-KR" altLang="en-US" dirty="0" smtClean="0"/>
+              <a:t> </a:t>
+            </a:r>
+            <a:r>
+              <a:rPr lang="ko-KR" altLang="en-US" dirty="0" smtClean="0"/>
+              <a:t>서비스 사이트</a:t>
             </a:r>
             <a:endParaRPr lang="ko-KR" altLang="en-US" dirty="0"/>
           </a:p>

--- a/프레젠테이션1.pptx
+++ b/프레젠테이션1.pptx
@@ -246,7 +246,7 @@
           <a:p>
             <a:fld id="{ED27D972-2F45-45C3-80A4-CAA32E75D0CA}" type="datetimeFigureOut">
               <a:rPr lang="ko-KR" altLang="en-US" smtClean="0"/>
-              <a:t>2023-04-13</a:t>
+              <a:t>2023-04-14</a:t>
             </a:fld>
             <a:endParaRPr lang="ko-KR" altLang="en-US"/>
           </a:p>
@@ -416,7 +416,7 @@
           <a:p>
             <a:fld id="{ED27D972-2F45-45C3-80A4-CAA32E75D0CA}" type="datetimeFigureOut">
               <a:rPr lang="ko-KR" altLang="en-US" smtClean="0"/>
-              <a:t>2023-04-13</a:t>
+              <a:t>2023-04-14</a:t>
             </a:fld>
             <a:endParaRPr lang="ko-KR" altLang="en-US"/>
           </a:p>
@@ -596,7 +596,7 @@
           <a:p>
             <a:fld id="{ED27D972-2F45-45C3-80A4-CAA32E75D0CA}" type="datetimeFigureOut">
               <a:rPr lang="ko-KR" altLang="en-US" smtClean="0"/>
-              <a:t>2023-04-13</a:t>
+              <a:t>2023-04-14</a:t>
             </a:fld>
             <a:endParaRPr lang="ko-KR" altLang="en-US"/>
           </a:p>
@@ -766,7 +766,7 @@
           <a:p>
             <a:fld id="{ED27D972-2F45-45C3-80A4-CAA32E75D0CA}" type="datetimeFigureOut">
               <a:rPr lang="ko-KR" altLang="en-US" smtClean="0"/>
-              <a:t>2023-04-13</a:t>
+              <a:t>2023-04-14</a:t>
             </a:fld>
             <a:endParaRPr lang="ko-KR" altLang="en-US"/>
           </a:p>
@@ -1012,7 +1012,7 @@
           <a:p>
             <a:fld id="{ED27D972-2F45-45C3-80A4-CAA32E75D0CA}" type="datetimeFigureOut">
               <a:rPr lang="ko-KR" altLang="en-US" smtClean="0"/>
-              <a:t>2023-04-13</a:t>
+              <a:t>2023-04-14</a:t>
             </a:fld>
             <a:endParaRPr lang="ko-KR" altLang="en-US"/>
           </a:p>
@@ -1244,7 +1244,7 @@
           <a:p>
             <a:fld id="{ED27D972-2F45-45C3-80A4-CAA32E75D0CA}" type="datetimeFigureOut">
               <a:rPr lang="ko-KR" altLang="en-US" smtClean="0"/>
-              <a:t>2023-04-13</a:t>
+              <a:t>2023-04-14</a:t>
             </a:fld>
             <a:endParaRPr lang="ko-KR" altLang="en-US"/>
           </a:p>
@@ -1611,7 +1611,7 @@
           <a:p>
             <a:fld id="{ED27D972-2F45-45C3-80A4-CAA32E75D0CA}" type="datetimeFigureOut">
               <a:rPr lang="ko-KR" altLang="en-US" smtClean="0"/>
-              <a:t>2023-04-13</a:t>
+              <a:t>2023-04-14</a:t>
             </a:fld>
             <a:endParaRPr lang="ko-KR" altLang="en-US"/>
           </a:p>
@@ -1729,7 +1729,7 @@
           <a:p>
             <a:fld id="{ED27D972-2F45-45C3-80A4-CAA32E75D0CA}" type="datetimeFigureOut">
               <a:rPr lang="ko-KR" altLang="en-US" smtClean="0"/>
-              <a:t>2023-04-13</a:t>
+              <a:t>2023-04-14</a:t>
             </a:fld>
             <a:endParaRPr lang="ko-KR" altLang="en-US"/>
           </a:p>
@@ -1824,7 +1824,7 @@
           <a:p>
             <a:fld id="{ED27D972-2F45-45C3-80A4-CAA32E75D0CA}" type="datetimeFigureOut">
               <a:rPr lang="ko-KR" altLang="en-US" smtClean="0"/>
-              <a:t>2023-04-13</a:t>
+              <a:t>2023-04-14</a:t>
             </a:fld>
             <a:endParaRPr lang="ko-KR" altLang="en-US"/>
           </a:p>
@@ -2101,7 +2101,7 @@
           <a:p>
             <a:fld id="{ED27D972-2F45-45C3-80A4-CAA32E75D0CA}" type="datetimeFigureOut">
               <a:rPr lang="ko-KR" altLang="en-US" smtClean="0"/>
-              <a:t>2023-04-13</a:t>
+              <a:t>2023-04-14</a:t>
             </a:fld>
             <a:endParaRPr lang="ko-KR" altLang="en-US"/>
           </a:p>
@@ -2354,7 +2354,7 @@
           <a:p>
             <a:fld id="{ED27D972-2F45-45C3-80A4-CAA32E75D0CA}" type="datetimeFigureOut">
               <a:rPr lang="ko-KR" altLang="en-US" smtClean="0"/>
-              <a:t>2023-04-13</a:t>
+              <a:t>2023-04-14</a:t>
             </a:fld>
             <a:endParaRPr lang="ko-KR" altLang="en-US"/>
           </a:p>
@@ -2567,7 +2567,7 @@
           <a:p>
             <a:fld id="{ED27D972-2F45-45C3-80A4-CAA32E75D0CA}" type="datetimeFigureOut">
               <a:rPr lang="ko-KR" altLang="en-US" smtClean="0"/>
-              <a:t>2023-04-13</a:t>
+              <a:t>2023-04-14</a:t>
             </a:fld>
             <a:endParaRPr lang="ko-KR" altLang="en-US"/>
           </a:p>
@@ -3510,7 +3510,7 @@
         <p:spPr>
           <a:xfrm>
             <a:off x="314325" y="328613"/>
-            <a:ext cx="3199915" cy="369332"/>
+            <a:ext cx="4447051" cy="369332"/>
           </a:xfrm>
           <a:prstGeom prst="rect">
             <a:avLst/>
@@ -3529,11 +3529,23 @@
             </a:r>
             <a:r>
               <a:rPr lang="ko-KR" altLang="en-US" dirty="0" smtClean="0"/>
+              <a:t>예약</a:t>
+            </a:r>
+            <a:r>
+              <a:rPr lang="en-US" altLang="ko-KR" smtClean="0"/>
+              <a:t>+</a:t>
+            </a:r>
+            <a:r>
+              <a:rPr lang="ko-KR" altLang="en-US" smtClean="0"/>
               <a:t>대기</a:t>
             </a:r>
             <a:r>
-              <a:rPr lang="ko-KR" altLang="en-US" dirty="0" smtClean="0"/>
-              <a:t> </a:t>
+              <a:rPr lang="en-US" altLang="ko-KR" smtClean="0"/>
+              <a:t>+</a:t>
+            </a:r>
+            <a:r>
+              <a:rPr lang="ko-KR" altLang="en-US" smtClean="0"/>
+              <a:t>결제 </a:t>
             </a:r>
             <a:r>
               <a:rPr lang="ko-KR" altLang="en-US" dirty="0" smtClean="0"/>
